--- a/CAN_Channels_2024.pptx
+++ b/CAN_Channels_2024.pptx
@@ -259,7 +259,7 @@
           <a:p>
             <a:fld id="{5C123993-4ADA-4712-8C1C-5A03B9DFC7AE}" type="datetimeFigureOut">
               <a:rPr lang="en-US" smtClean="0"/>
-              <a:t>1/30/2024</a:t>
+              <a:t>2/24/2024</a:t>
             </a:fld>
             <a:endParaRPr lang="en-US"/>
           </a:p>
@@ -457,7 +457,7 @@
           <a:p>
             <a:fld id="{5C123993-4ADA-4712-8C1C-5A03B9DFC7AE}" type="datetimeFigureOut">
               <a:rPr lang="en-US" smtClean="0"/>
-              <a:t>1/30/2024</a:t>
+              <a:t>2/24/2024</a:t>
             </a:fld>
             <a:endParaRPr lang="en-US"/>
           </a:p>
@@ -665,7 +665,7 @@
           <a:p>
             <a:fld id="{5C123993-4ADA-4712-8C1C-5A03B9DFC7AE}" type="datetimeFigureOut">
               <a:rPr lang="en-US" smtClean="0"/>
-              <a:t>1/30/2024</a:t>
+              <a:t>2/24/2024</a:t>
             </a:fld>
             <a:endParaRPr lang="en-US"/>
           </a:p>
@@ -863,7 +863,7 @@
           <a:p>
             <a:fld id="{5C123993-4ADA-4712-8C1C-5A03B9DFC7AE}" type="datetimeFigureOut">
               <a:rPr lang="en-US" smtClean="0"/>
-              <a:t>1/30/2024</a:t>
+              <a:t>2/24/2024</a:t>
             </a:fld>
             <a:endParaRPr lang="en-US"/>
           </a:p>
@@ -1138,7 +1138,7 @@
           <a:p>
             <a:fld id="{5C123993-4ADA-4712-8C1C-5A03B9DFC7AE}" type="datetimeFigureOut">
               <a:rPr lang="en-US" smtClean="0"/>
-              <a:t>1/30/2024</a:t>
+              <a:t>2/24/2024</a:t>
             </a:fld>
             <a:endParaRPr lang="en-US"/>
           </a:p>
@@ -1403,7 +1403,7 @@
           <a:p>
             <a:fld id="{5C123993-4ADA-4712-8C1C-5A03B9DFC7AE}" type="datetimeFigureOut">
               <a:rPr lang="en-US" smtClean="0"/>
-              <a:t>1/30/2024</a:t>
+              <a:t>2/24/2024</a:t>
             </a:fld>
             <a:endParaRPr lang="en-US"/>
           </a:p>
@@ -1815,7 +1815,7 @@
           <a:p>
             <a:fld id="{5C123993-4ADA-4712-8C1C-5A03B9DFC7AE}" type="datetimeFigureOut">
               <a:rPr lang="en-US" smtClean="0"/>
-              <a:t>1/30/2024</a:t>
+              <a:t>2/24/2024</a:t>
             </a:fld>
             <a:endParaRPr lang="en-US"/>
           </a:p>
@@ -1956,7 +1956,7 @@
           <a:p>
             <a:fld id="{5C123993-4ADA-4712-8C1C-5A03B9DFC7AE}" type="datetimeFigureOut">
               <a:rPr lang="en-US" smtClean="0"/>
-              <a:t>1/30/2024</a:t>
+              <a:t>2/24/2024</a:t>
             </a:fld>
             <a:endParaRPr lang="en-US"/>
           </a:p>
@@ -2069,7 +2069,7 @@
           <a:p>
             <a:fld id="{5C123993-4ADA-4712-8C1C-5A03B9DFC7AE}" type="datetimeFigureOut">
               <a:rPr lang="en-US" smtClean="0"/>
-              <a:t>1/30/2024</a:t>
+              <a:t>2/24/2024</a:t>
             </a:fld>
             <a:endParaRPr lang="en-US"/>
           </a:p>
@@ -2380,7 +2380,7 @@
           <a:p>
             <a:fld id="{5C123993-4ADA-4712-8C1C-5A03B9DFC7AE}" type="datetimeFigureOut">
               <a:rPr lang="en-US" smtClean="0"/>
-              <a:t>1/30/2024</a:t>
+              <a:t>2/24/2024</a:t>
             </a:fld>
             <a:endParaRPr lang="en-US"/>
           </a:p>
@@ -2668,7 +2668,7 @@
           <a:p>
             <a:fld id="{5C123993-4ADA-4712-8C1C-5A03B9DFC7AE}" type="datetimeFigureOut">
               <a:rPr lang="en-US" smtClean="0"/>
-              <a:t>1/30/2024</a:t>
+              <a:t>2/24/2024</a:t>
             </a:fld>
             <a:endParaRPr lang="en-US"/>
           </a:p>
@@ -2909,7 +2909,7 @@
           <a:p>
             <a:fld id="{5C123993-4ADA-4712-8C1C-5A03B9DFC7AE}" type="datetimeFigureOut">
               <a:rPr lang="en-US" smtClean="0"/>
-              <a:t>1/30/2024</a:t>
+              <a:t>2/24/2024</a:t>
             </a:fld>
             <a:endParaRPr lang="en-US"/>
           </a:p>
@@ -3341,7 +3341,7 @@
         <p:spPr>
           <a:xfrm>
             <a:off x="2141171" y="543792"/>
-            <a:ext cx="3114675" cy="7848302"/>
+            <a:ext cx="3114675" cy="7571303"/>
           </a:xfrm>
           <a:prstGeom prst="rect">
             <a:avLst/>
@@ -3452,31 +3452,35 @@
           <a:p>
             <a:r>
               <a:rPr lang="en-US" dirty="0"/>
-              <a:t>Intake sweep  16  - Talon</a:t>
+              <a:t>Elevator  R  16 – Max</a:t>
             </a:r>
           </a:p>
           <a:p>
             <a:r>
               <a:rPr lang="en-US" dirty="0"/>
-              <a:t>Elevator  R  17 – Max</a:t>
+              <a:t>Elevator  L  17 – Max</a:t>
             </a:r>
           </a:p>
           <a:p>
             <a:r>
               <a:rPr lang="en-US" dirty="0"/>
-              <a:t>Elevator  L  18 – Max</a:t>
-            </a:r>
-          </a:p>
-          <a:p>
+              <a:t>Shoot R  18 – Max</a:t>
+            </a:r>
+          </a:p>
+          <a:p>
+            <a:r>
+              <a:rPr lang="en-US"/>
+              <a:t>Shoot L  19  </a:t>
+            </a:r>
             <a:r>
               <a:rPr lang="en-US" dirty="0"/>
-              <a:t>Shoot L  19 – Max</a:t>
+              <a:t>– Max</a:t>
             </a:r>
           </a:p>
           <a:p>
             <a:r>
               <a:rPr lang="en-US" dirty="0"/>
-              <a:t>Shoot R  20 – Max</a:t>
+              <a:t>Intake sweep  20  - Talon</a:t>
             </a:r>
           </a:p>
           <a:p>
